--- a/lectures/20WQ-03-03 Anti-patterns and topics in software architecture.pptx
+++ b/lectures/20WQ-03-03 Anti-patterns and topics in software architecture.pptx
@@ -125,7 +125,56 @@
       </a:defRPr>
     </a:lvl9pPr>
   </p:defaultTextStyle>
+  <p:extLst>
+    <p:ext uri="{EFAFB233-063F-42B5-8137-9DF3F51BA10A}">
+      <p15:sldGuideLst xmlns:p15="http://schemas.microsoft.com/office/powerpoint/2012/main"/>
+    </p:ext>
+  </p:extLst>
 </p:presentation>
+</file>
+
+<file path=ppt/changesInfos/changesInfo1.xml><?xml version="1.0" encoding="utf-8"?>
+<pc:chgInfo xmlns:a="http://schemas.openxmlformats.org/drawingml/2006/main" xmlns:r="http://schemas.openxmlformats.org/officeDocument/2006/relationships" xmlns:ac="http://schemas.microsoft.com/office/drawing/2013/main/command" xmlns:pc="http://schemas.microsoft.com/office/powerpoint/2013/main/command">
+  <pc:docChgLst>
+    <pc:chgData name="Michaeljon Miller" userId="c575fe5cddd8b8cf" providerId="LiveId" clId="{D822A6D5-95C5-8440-926A-A402729F28B3}"/>
+    <pc:docChg chg="modSld">
+      <pc:chgData name="Michaeljon Miller" userId="c575fe5cddd8b8cf" providerId="LiveId" clId="{D822A6D5-95C5-8440-926A-A402729F28B3}" dt="2020-03-04T01:54:07.523" v="28" actId="6549"/>
+      <pc:docMkLst>
+        <pc:docMk/>
+      </pc:docMkLst>
+      <pc:sldChg chg="modSp">
+        <pc:chgData name="Michaeljon Miller" userId="c575fe5cddd8b8cf" providerId="LiveId" clId="{D822A6D5-95C5-8440-926A-A402729F28B3}" dt="2020-03-04T01:54:07.523" v="28" actId="6549"/>
+        <pc:sldMkLst>
+          <pc:docMk/>
+          <pc:sldMk cId="3166683128" sldId="306"/>
+        </pc:sldMkLst>
+        <pc:spChg chg="mod">
+          <ac:chgData name="Michaeljon Miller" userId="c575fe5cddd8b8cf" providerId="LiveId" clId="{D822A6D5-95C5-8440-926A-A402729F28B3}" dt="2020-03-04T01:54:07.523" v="28" actId="6549"/>
+          <ac:spMkLst>
+            <pc:docMk/>
+            <pc:sldMk cId="3166683128" sldId="306"/>
+            <ac:spMk id="3" creationId="{00000000-0000-0000-0000-000000000000}"/>
+          </ac:spMkLst>
+        </pc:spChg>
+      </pc:sldChg>
+      <pc:sldChg chg="modSp">
+        <pc:chgData name="Michaeljon Miller" userId="c575fe5cddd8b8cf" providerId="LiveId" clId="{D822A6D5-95C5-8440-926A-A402729F28B3}" dt="2020-03-04T01:54:00.327" v="27" actId="20577"/>
+        <pc:sldMkLst>
+          <pc:docMk/>
+          <pc:sldMk cId="2793594867" sldId="313"/>
+        </pc:sldMkLst>
+        <pc:spChg chg="mod">
+          <ac:chgData name="Michaeljon Miller" userId="c575fe5cddd8b8cf" providerId="LiveId" clId="{D822A6D5-95C5-8440-926A-A402729F28B3}" dt="2020-03-04T01:54:00.327" v="27" actId="20577"/>
+          <ac:spMkLst>
+            <pc:docMk/>
+            <pc:sldMk cId="2793594867" sldId="313"/>
+            <ac:spMk id="5" creationId="{00000000-0000-0000-0000-000000000000}"/>
+          </ac:spMkLst>
+        </pc:spChg>
+      </pc:sldChg>
+    </pc:docChg>
+  </pc:docChgLst>
+</pc:chgInfo>
 </file>
 
 <file path=ppt/slideLayouts/slideLayout1.xml><?xml version="1.0" encoding="utf-8"?>
@@ -275,7 +324,7 @@
           <a:p>
             <a:fld id="{5492CE7F-29CE-7F4F-9AEC-5295259A36A1}" type="datetimeFigureOut">
               <a:rPr lang="en-US" smtClean="0"/>
-              <a:t>3/16/19</a:t>
+              <a:t>3/3/20</a:t>
             </a:fld>
             <a:endParaRPr lang="en-US"/>
           </a:p>
@@ -473,7 +522,7 @@
           <a:p>
             <a:fld id="{5492CE7F-29CE-7F4F-9AEC-5295259A36A1}" type="datetimeFigureOut">
               <a:rPr lang="en-US" smtClean="0"/>
-              <a:t>3/16/19</a:t>
+              <a:t>3/3/20</a:t>
             </a:fld>
             <a:endParaRPr lang="en-US"/>
           </a:p>
@@ -681,7 +730,7 @@
           <a:p>
             <a:fld id="{5492CE7F-29CE-7F4F-9AEC-5295259A36A1}" type="datetimeFigureOut">
               <a:rPr lang="en-US" smtClean="0"/>
-              <a:t>3/16/19</a:t>
+              <a:t>3/3/20</a:t>
             </a:fld>
             <a:endParaRPr lang="en-US"/>
           </a:p>
@@ -879,7 +928,7 @@
           <a:p>
             <a:fld id="{5492CE7F-29CE-7F4F-9AEC-5295259A36A1}" type="datetimeFigureOut">
               <a:rPr lang="en-US" smtClean="0"/>
-              <a:t>3/16/19</a:t>
+              <a:t>3/3/20</a:t>
             </a:fld>
             <a:endParaRPr lang="en-US"/>
           </a:p>
@@ -1154,7 +1203,7 @@
           <a:p>
             <a:fld id="{5492CE7F-29CE-7F4F-9AEC-5295259A36A1}" type="datetimeFigureOut">
               <a:rPr lang="en-US" smtClean="0"/>
-              <a:t>3/16/19</a:t>
+              <a:t>3/3/20</a:t>
             </a:fld>
             <a:endParaRPr lang="en-US"/>
           </a:p>
@@ -1419,7 +1468,7 @@
           <a:p>
             <a:fld id="{5492CE7F-29CE-7F4F-9AEC-5295259A36A1}" type="datetimeFigureOut">
               <a:rPr lang="en-US" smtClean="0"/>
-              <a:t>3/16/19</a:t>
+              <a:t>3/3/20</a:t>
             </a:fld>
             <a:endParaRPr lang="en-US"/>
           </a:p>
@@ -1831,7 +1880,7 @@
           <a:p>
             <a:fld id="{5492CE7F-29CE-7F4F-9AEC-5295259A36A1}" type="datetimeFigureOut">
               <a:rPr lang="en-US" smtClean="0"/>
-              <a:t>3/16/19</a:t>
+              <a:t>3/3/20</a:t>
             </a:fld>
             <a:endParaRPr lang="en-US"/>
           </a:p>
@@ -1972,7 +2021,7 @@
           <a:p>
             <a:fld id="{5492CE7F-29CE-7F4F-9AEC-5295259A36A1}" type="datetimeFigureOut">
               <a:rPr lang="en-US" smtClean="0"/>
-              <a:t>3/16/19</a:t>
+              <a:t>3/3/20</a:t>
             </a:fld>
             <a:endParaRPr lang="en-US"/>
           </a:p>
@@ -2085,7 +2134,7 @@
           <a:p>
             <a:fld id="{5492CE7F-29CE-7F4F-9AEC-5295259A36A1}" type="datetimeFigureOut">
               <a:rPr lang="en-US" smtClean="0"/>
-              <a:t>3/16/19</a:t>
+              <a:t>3/3/20</a:t>
             </a:fld>
             <a:endParaRPr lang="en-US"/>
           </a:p>
@@ -2396,7 +2445,7 @@
           <a:p>
             <a:fld id="{5492CE7F-29CE-7F4F-9AEC-5295259A36A1}" type="datetimeFigureOut">
               <a:rPr lang="en-US" smtClean="0"/>
-              <a:t>3/16/19</a:t>
+              <a:t>3/3/20</a:t>
             </a:fld>
             <a:endParaRPr lang="en-US"/>
           </a:p>
@@ -2684,7 +2733,7 @@
           <a:p>
             <a:fld id="{5492CE7F-29CE-7F4F-9AEC-5295259A36A1}" type="datetimeFigureOut">
               <a:rPr lang="en-US" smtClean="0"/>
-              <a:t>3/16/19</a:t>
+              <a:t>3/3/20</a:t>
             </a:fld>
             <a:endParaRPr lang="en-US"/>
           </a:p>
@@ -2925,7 +2974,7 @@
           <a:p>
             <a:fld id="{5492CE7F-29CE-7F4F-9AEC-5295259A36A1}" type="datetimeFigureOut">
               <a:rPr lang="en-US" smtClean="0"/>
-              <a:t>3/16/19</a:t>
+              <a:t>3/3/20</a:t>
             </a:fld>
             <a:endParaRPr lang="en-US"/>
           </a:p>
@@ -5062,7 +5111,7 @@
           <a:p>
             <a:r>
               <a:rPr lang="en-US" dirty="0"/>
-              <a:t>For next week</a:t>
+              <a:t>Things to read for next time</a:t>
             </a:r>
           </a:p>
         </p:txBody>
@@ -5382,33 +5431,6 @@
               <a:buNone/>
             </a:pPr>
             <a:endParaRPr lang="en-US" sz="2000" dirty="0"/>
-          </a:p>
-          <a:p>
-            <a:pPr marL="0" indent="0">
-              <a:buNone/>
-            </a:pPr>
-            <a:r>
-              <a:rPr lang="en-US" dirty="0"/>
-              <a:t>Brooks</a:t>
-            </a:r>
-          </a:p>
-          <a:p>
-            <a:pPr marL="457200" lvl="1" indent="0">
-              <a:buNone/>
-            </a:pPr>
-            <a:r>
-              <a:rPr lang="en-US"/>
-              <a:t>Chapter 9 User Models</a:t>
-            </a:r>
-          </a:p>
-          <a:p>
-            <a:pPr marL="457200" lvl="1" indent="0">
-              <a:buNone/>
-            </a:pPr>
-            <a:r>
-              <a:rPr lang="en-US" dirty="0"/>
-              <a:t>Chapter 15 The Divorce of Design</a:t>
-            </a:r>
           </a:p>
           <a:p>
             <a:pPr marL="457200" lvl="1" indent="0">
